--- a/软件架构ppt.pptx
+++ b/软件架构ppt.pptx
@@ -5,7 +5,7 @@
     <p:sldMasterId id="2147483648" r:id="rId1"/>
   </p:sldMasterIdLst>
   <p:notesMasterIdLst>
-    <p:notesMasterId r:id="rId15"/>
+    <p:notesMasterId r:id="rId20"/>
   </p:notesMasterIdLst>
   <p:sldIdLst>
     <p:sldId id="256" r:id="rId2"/>
@@ -19,8 +19,13 @@
     <p:sldId id="257" r:id="rId10"/>
     <p:sldId id="271" r:id="rId11"/>
     <p:sldId id="272" r:id="rId12"/>
-    <p:sldId id="259" r:id="rId13"/>
-    <p:sldId id="262" r:id="rId14"/>
+    <p:sldId id="273" r:id="rId13"/>
+    <p:sldId id="274" r:id="rId14"/>
+    <p:sldId id="259" r:id="rId15"/>
+    <p:sldId id="275" r:id="rId16"/>
+    <p:sldId id="276" r:id="rId17"/>
+    <p:sldId id="277" r:id="rId18"/>
+    <p:sldId id="262" r:id="rId19"/>
   </p:sldIdLst>
   <p:sldSz cx="12192000" cy="6858000"/>
   <p:notesSz cx="6858000" cy="9144000"/>
@@ -121,18 +126,7 @@
   </p:defaultTextStyle>
   <p:extLst>
     <p:ext uri="{EFAFB233-063F-42B5-8137-9DF3F51BA10A}">
-      <p15:sldGuideLst xmlns:p15="http://schemas.microsoft.com/office/powerpoint/2012/main">
-        <p15:guide id="1" orient="horz" pos="2160" userDrawn="1">
-          <p15:clr>
-            <a:srgbClr val="A4A3A4"/>
-          </p15:clr>
-        </p15:guide>
-        <p15:guide id="2" pos="3840" userDrawn="1">
-          <p15:clr>
-            <a:srgbClr val="A4A3A4"/>
-          </p15:clr>
-        </p15:guide>
-      </p15:sldGuideLst>
+      <p15:sldGuideLst xmlns:p15="http://schemas.microsoft.com/office/powerpoint/2012/main"/>
     </p:ext>
   </p:extLst>
 </p:presentation>
@@ -220,7 +214,7 @@
           <a:p>
             <a:fld id="{B3E78DB0-3125-CE45-B172-A78F2161DEB3}" type="datetimeFigureOut">
               <a:rPr kumimoji="1" lang="zh-CN" altLang="en-US" smtClean="0"/>
-              <a:t>2016/11/30</a:t>
+              <a:t>2016/12/28</a:t>
             </a:fld>
             <a:endParaRPr kumimoji="1" lang="zh-CN" altLang="en-US"/>
           </a:p>
@@ -488,6 +482,90 @@
 </p:notesMaster>
 </file>
 
+<file path=ppt/notesSlides/notesSlide1.xml><?xml version="1.0" encoding="utf-8"?>
+<p:notes xmlns:a="http://schemas.openxmlformats.org/drawingml/2006/main" xmlns:r="http://schemas.openxmlformats.org/officeDocument/2006/relationships" xmlns:p="http://schemas.openxmlformats.org/presentationml/2006/main">
+  <p:cSld>
+    <p:spTree>
+      <p:nvGrpSpPr>
+        <p:cNvPr id="1" name=""/>
+        <p:cNvGrpSpPr/>
+        <p:nvPr/>
+      </p:nvGrpSpPr>
+      <p:grpSpPr>
+        <a:xfrm>
+          <a:off x="0" y="0"/>
+          <a:ext cx="0" cy="0"/>
+          <a:chOff x="0" y="0"/>
+          <a:chExt cx="0" cy="0"/>
+        </a:xfrm>
+      </p:grpSpPr>
+      <p:sp>
+        <p:nvSpPr>
+          <p:cNvPr id="2" name="幻灯片图像占位符 1"/>
+          <p:cNvSpPr>
+            <a:spLocks noGrp="1" noRot="1" noChangeAspect="1"/>
+          </p:cNvSpPr>
+          <p:nvPr>
+            <p:ph type="sldImg"/>
+          </p:nvPr>
+        </p:nvSpPr>
+        <p:spPr/>
+      </p:sp>
+      <p:sp>
+        <p:nvSpPr>
+          <p:cNvPr id="3" name="备注占位符 2"/>
+          <p:cNvSpPr>
+            <a:spLocks noGrp="1"/>
+          </p:cNvSpPr>
+          <p:nvPr>
+            <p:ph type="body" idx="1"/>
+          </p:nvPr>
+        </p:nvSpPr>
+        <p:spPr/>
+        <p:txBody>
+          <a:bodyPr/>
+          <a:lstStyle/>
+          <a:p>
+            <a:endParaRPr kumimoji="1" lang="zh-CN" altLang="en-US" dirty="0"/>
+          </a:p>
+        </p:txBody>
+      </p:sp>
+      <p:sp>
+        <p:nvSpPr>
+          <p:cNvPr id="4" name="幻灯片编号占位符 3"/>
+          <p:cNvSpPr>
+            <a:spLocks noGrp="1"/>
+          </p:cNvSpPr>
+          <p:nvPr>
+            <p:ph type="sldNum" sz="quarter" idx="10"/>
+          </p:nvPr>
+        </p:nvSpPr>
+        <p:spPr/>
+        <p:txBody>
+          <a:bodyPr/>
+          <a:lstStyle/>
+          <a:p>
+            <a:fld id="{C0C045AE-D2CD-F648-9E56-8B78F566C3F2}" type="slidenum">
+              <a:rPr kumimoji="1" lang="zh-CN" altLang="en-US" smtClean="0"/>
+              <a:t>11</a:t>
+            </a:fld>
+            <a:endParaRPr kumimoji="1" lang="zh-CN" altLang="en-US"/>
+          </a:p>
+        </p:txBody>
+      </p:sp>
+    </p:spTree>
+    <p:extLst>
+      <p:ext uri="{BB962C8B-B14F-4D97-AF65-F5344CB8AC3E}">
+        <p14:creationId xmlns:p14="http://schemas.microsoft.com/office/powerpoint/2010/main" val="1845914994"/>
+      </p:ext>
+    </p:extLst>
+  </p:cSld>
+  <p:clrMapOvr>
+    <a:masterClrMapping/>
+  </p:clrMapOvr>
+</p:notes>
+</file>
+
 <file path=ppt/slideLayouts/slideLayout1.xml><?xml version="1.0" encoding="utf-8"?>
 <p:sldLayout xmlns:a="http://schemas.openxmlformats.org/drawingml/2006/main" xmlns:r="http://schemas.openxmlformats.org/officeDocument/2006/relationships" xmlns:p="http://schemas.openxmlformats.org/presentationml/2006/main" showMasterSp="0" type="title" preserve="1">
   <p:cSld name="标题幻灯片">
@@ -714,7 +792,7 @@
           <a:p>
             <a:fld id="{4BDF68E2-58F2-4D09-BE8B-E3BD06533059}" type="datetimeFigureOut">
               <a:rPr lang="en-US" dirty="0"/>
-              <a:t>11/30/16</a:t>
+              <a:t>12/28/16</a:t>
             </a:fld>
             <a:endParaRPr lang="en-US" dirty="0"/>
           </a:p>
@@ -917,7 +995,7 @@
           <a:p>
             <a:fld id="{2E2D6473-DF6D-4702-B328-E0DD40540A4E}" type="datetimeFigureOut">
               <a:rPr lang="en-US" dirty="0"/>
-              <a:t>11/30/16</a:t>
+              <a:t>12/28/16</a:t>
             </a:fld>
             <a:endParaRPr lang="en-US" dirty="0"/>
           </a:p>
@@ -1168,7 +1246,7 @@
           <a:p>
             <a:fld id="{E26F7E3A-B166-407D-9866-32884E7D5B37}" type="datetimeFigureOut">
               <a:rPr lang="en-US" dirty="0"/>
-              <a:t>11/30/16</a:t>
+              <a:t>12/28/16</a:t>
             </a:fld>
             <a:endParaRPr lang="en-US" dirty="0"/>
           </a:p>
@@ -1337,7 +1415,7 @@
           <a:p>
             <a:fld id="{528FC5F6-F338-4AE4-BB23-26385BCFC423}" type="datetimeFigureOut">
               <a:rPr lang="en-US" dirty="0"/>
-              <a:t>11/30/16</a:t>
+              <a:t>12/28/16</a:t>
             </a:fld>
             <a:endParaRPr lang="en-US" dirty="0"/>
           </a:p>
@@ -1675,7 +1753,7 @@
           <a:p>
             <a:fld id="{20EBB0C4-6273-4C6E-B9BD-2EDC30F1CD52}" type="datetimeFigureOut">
               <a:rPr lang="en-US" dirty="0"/>
-              <a:t>11/30/16</a:t>
+              <a:t>12/28/16</a:t>
             </a:fld>
             <a:endParaRPr lang="en-US" dirty="0"/>
           </a:p>
@@ -1945,7 +2023,7 @@
           <a:p>
             <a:fld id="{19AB4D41-86C1-4908-B66A-0B50CEB3BF29}" type="datetimeFigureOut">
               <a:rPr lang="en-US" dirty="0"/>
-              <a:t>11/30/16</a:t>
+              <a:t>12/28/16</a:t>
             </a:fld>
             <a:endParaRPr lang="en-US" dirty="0"/>
           </a:p>
@@ -2319,7 +2397,7 @@
           <a:p>
             <a:fld id="{E6426E2C-56C1-4E0D-A793-0088A7FDD37E}" type="datetimeFigureOut">
               <a:rPr lang="en-US" dirty="0"/>
-              <a:t>11/30/16</a:t>
+              <a:t>12/28/16</a:t>
             </a:fld>
             <a:endParaRPr lang="en-US" dirty="0"/>
           </a:p>
@@ -2432,7 +2510,7 @@
           <a:p>
             <a:fld id="{C8C39B41-D8B5-4052-B551-9B5525EAA8B6}" type="datetimeFigureOut">
               <a:rPr lang="en-US" dirty="0"/>
-              <a:t>11/30/16</a:t>
+              <a:t>12/28/16</a:t>
             </a:fld>
             <a:endParaRPr lang="en-US" dirty="0"/>
           </a:p>
@@ -2598,7 +2676,7 @@
           <a:p>
             <a:fld id="{4D94136C-8742-45B2-AF27-D93DF72833A9}" type="datetimeFigureOut">
               <a:rPr lang="en-US" dirty="0"/>
-              <a:t>11/30/16</a:t>
+              <a:t>12/28/16</a:t>
             </a:fld>
             <a:endParaRPr lang="en-US" dirty="0"/>
           </a:p>
@@ -2948,7 +3026,7 @@
           <a:p>
             <a:fld id="{32ABBEA6-7C60-4B02-AE87-00D78D8422AF}" type="datetimeFigureOut">
               <a:rPr lang="en-US" dirty="0"/>
-              <a:t>11/30/16</a:t>
+              <a:t>12/28/16</a:t>
             </a:fld>
             <a:endParaRPr lang="en-US" dirty="0"/>
           </a:p>
@@ -3323,7 +3401,7 @@
           <a:p>
             <a:fld id="{C9CAD897-D46E-4AD2-BD9B-49DD3E640873}" type="datetimeFigureOut">
               <a:rPr lang="en-US" dirty="0"/>
-              <a:t>11/30/16</a:t>
+              <a:t>12/28/16</a:t>
             </a:fld>
             <a:endParaRPr lang="en-US" dirty="0"/>
           </a:p>
@@ -3605,7 +3683,7 @@
           <a:p>
             <a:fld id="{98624D31-43A5-475A-80CF-332C9F6DCF35}" type="datetimeFigureOut">
               <a:rPr lang="en-US" dirty="0"/>
-              <a:t>11/30/16</a:t>
+              <a:t>12/28/16</a:t>
             </a:fld>
             <a:endParaRPr lang="en-US" dirty="0"/>
           </a:p>
@@ -4491,7 +4569,7 @@
       </p:sp>
       <p:sp>
         <p:nvSpPr>
-          <p:cNvPr id="3" name="内容占位符 2"/>
+          <p:cNvPr id="4" name="内容占位符 2"/>
           <p:cNvSpPr>
             <a:spLocks noGrp="1"/>
           </p:cNvSpPr>
@@ -4504,27 +4582,87 @@
           <a:bodyPr/>
           <a:lstStyle/>
           <a:p>
-            <a:pPr marL="457200" marR="0" lvl="0" indent="-457200" defTabSz="914400" eaLnBrk="1" fontAlgn="auto" latinLnBrk="0" hangingPunct="1">
-              <a:lnSpc>
-                <a:spcPct val="100000"/>
-              </a:lnSpc>
-              <a:spcBef>
-                <a:spcPts val="0"/>
-              </a:spcBef>
-              <a:spcAft>
-                <a:spcPts val="0"/>
-              </a:spcAft>
-              <a:buClrTx/>
-              <a:buSzTx/>
+            <a:pPr marL="457200" indent="-457200">
               <a:buFont typeface="+mj-lt"/>
-              <a:buNone/>
-              <a:tabLst/>
-              <a:defRPr/>
+              <a:buAutoNum type="arabicPeriod"/>
+            </a:pPr>
+            <a:r>
+              <a:rPr kumimoji="1" lang="zh-CN" altLang="en-US" dirty="0" smtClean="0"/>
+              <a:t>分别建立</a:t>
+            </a:r>
+            <a:r>
+              <a:rPr kumimoji="1" lang="en-US" altLang="zh-CN" dirty="0" smtClean="0"/>
+              <a:t>Component</a:t>
+            </a:r>
+            <a:r>
+              <a:rPr kumimoji="1" lang="zh-CN" altLang="en-US" dirty="0" smtClean="0"/>
+              <a:t>类和继承</a:t>
+            </a:r>
+            <a:r>
+              <a:rPr kumimoji="1" lang="zh-CN" altLang="en-US" dirty="0" smtClean="0"/>
+              <a:t>自它的</a:t>
+            </a:r>
+            <a:r>
+              <a:rPr kumimoji="1" lang="zh-CN" altLang="en-US" dirty="0" smtClean="0"/>
+              <a:t>子类</a:t>
+            </a:r>
+            <a:r>
+              <a:rPr kumimoji="1" lang="en-US" altLang="zh-CN" dirty="0" smtClean="0"/>
+              <a:t>Branch </a:t>
+            </a:r>
+            <a:r>
+              <a:rPr kumimoji="1" lang="zh-CN" altLang="en-US" dirty="0" smtClean="0"/>
+              <a:t>和</a:t>
+            </a:r>
+            <a:r>
+              <a:rPr kumimoji="1" lang="en-US" altLang="zh-CN" dirty="0" smtClean="0"/>
+              <a:t>Leaf</a:t>
+            </a:r>
+          </a:p>
+          <a:p>
+            <a:pPr marL="457200" indent="-457200">
+              <a:buFont typeface="+mj-lt"/>
+              <a:buAutoNum type="arabicPeriod"/>
             </a:pPr>
             <a:endParaRPr kumimoji="1" lang="en-US" altLang="zh-CN" dirty="0" smtClean="0"/>
           </a:p>
         </p:txBody>
       </p:sp>
+      <p:pic>
+        <p:nvPicPr>
+          <p:cNvPr id="6" name="图片 5"/>
+          <p:cNvPicPr>
+            <a:picLocks noChangeAspect="1"/>
+          </p:cNvPicPr>
+          <p:nvPr/>
+        </p:nvPicPr>
+        <p:blipFill>
+          <a:blip r:embed="rId3">
+            <a:extLst>
+              <a:ext uri="{28A0092B-C50C-407E-A947-70E740481C1C}">
+                <a14:useLocalDpi xmlns:a14="http://schemas.microsoft.com/office/drawing/2010/main" val="0"/>
+              </a:ext>
+            </a:extLst>
+          </a:blip>
+          <a:stretch>
+            <a:fillRect/>
+          </a:stretch>
+        </p:blipFill>
+        <p:spPr>
+          <a:xfrm>
+            <a:off x="1695450" y="2328761"/>
+            <a:ext cx="7073900" cy="3213100"/>
+          </a:xfrm>
+          <a:prstGeom prst="rect">
+            <a:avLst/>
+          </a:prstGeom>
+          <a:ln>
+            <a:solidFill>
+              <a:schemeClr val="accent1"/>
+            </a:solidFill>
+          </a:ln>
+        </p:spPr>
+      </p:pic>
     </p:spTree>
     <p:extLst>
       <p:ext uri="{BB962C8B-B14F-4D97-AF65-F5344CB8AC3E}">
@@ -4577,9 +4715,63 @@
           <a:bodyPr/>
           <a:lstStyle/>
           <a:p>
+            <a:pPr marL="91440" lvl="0" indent="-91440">
+              <a:lnSpc>
+                <a:spcPct val="90000"/>
+              </a:lnSpc>
+              <a:spcBef>
+                <a:spcPts val="1200"/>
+              </a:spcBef>
+              <a:spcAft>
+                <a:spcPts val="200"/>
+              </a:spcAft>
+              <a:buSzPct val="100000"/>
+              <a:buFont typeface="Calibri" panose="020F0502020204030204" pitchFamily="34" charset="0"/>
+              <a:buChar char=" "/>
+            </a:pPr>
             <a:r>
               <a:rPr kumimoji="1" lang="en-US" altLang="zh-CN" b="1" dirty="0" smtClean="0"/>
-              <a:t>Undo/Redo</a:t>
+              <a:t>Composite</a:t>
+            </a:r>
+            <a:r>
+              <a:rPr kumimoji="1" lang="zh-CN" altLang="en-US" b="1" dirty="0" smtClean="0"/>
+              <a:t>  </a:t>
+            </a:r>
+            <a:r>
+              <a:rPr kumimoji="1" lang="zh-CN" altLang="en-US" sz="2000" b="1" spc="0" dirty="0" smtClean="0">
+                <a:solidFill>
+                  <a:srgbClr val="000000">
+                    <a:lumMod val="75000"/>
+                    <a:lumOff val="25000"/>
+                  </a:srgbClr>
+                </a:solidFill>
+                <a:latin typeface="Calibri" panose="020F0502020204030204"/>
+              </a:rPr>
+              <a:t>实现</a:t>
+            </a:r>
+            <a:r>
+              <a:rPr kumimoji="1" lang="en-US" altLang="zh-CN" sz="2000" b="1" spc="0" dirty="0">
+                <a:solidFill>
+                  <a:srgbClr val="000000">
+                    <a:lumMod val="75000"/>
+                    <a:lumOff val="25000"/>
+                  </a:srgbClr>
+                </a:solidFill>
+                <a:latin typeface="Calibri" panose="020F0502020204030204"/>
+              </a:rPr>
+              <a:t>(C++)</a:t>
+            </a:r>
+            <a:r>
+              <a:rPr kumimoji="1" lang="zh-CN" altLang="en-US" sz="2000" b="1" spc="0" dirty="0" smtClean="0">
+                <a:solidFill>
+                  <a:srgbClr val="000000">
+                    <a:lumMod val="75000"/>
+                    <a:lumOff val="25000"/>
+                  </a:srgbClr>
+                </a:solidFill>
+                <a:latin typeface="Calibri" panose="020F0502020204030204"/>
+              </a:rPr>
+              <a:t>：</a:t>
             </a:r>
             <a:endParaRPr kumimoji="1" lang="zh-CN" altLang="en-US" b="1" dirty="0"/>
           </a:p>
@@ -4587,7 +4779,7 @@
       </p:sp>
       <p:sp>
         <p:nvSpPr>
-          <p:cNvPr id="3" name="内容占位符 2"/>
+          <p:cNvPr id="4" name="内容占位符 2"/>
           <p:cNvSpPr>
             <a:spLocks noGrp="1"/>
           </p:cNvSpPr>
@@ -4600,14 +4792,57 @@
           <a:bodyPr/>
           <a:lstStyle/>
           <a:p>
-            <a:endParaRPr kumimoji="1" lang="zh-CN" altLang="en-US"/>
-          </a:p>
-        </p:txBody>
-      </p:sp>
+            <a:pPr marL="457200" indent="-457200">
+              <a:buFont typeface="+mj-lt"/>
+              <a:buAutoNum type="arabicPeriod" startAt="2"/>
+            </a:pPr>
+            <a:r>
+              <a:rPr kumimoji="1" lang="zh-CN" altLang="en-US" dirty="0" smtClean="0"/>
+              <a:t>在子类中重写父类函数</a:t>
+            </a:r>
+            <a:endParaRPr kumimoji="1" lang="en-US" altLang="zh-CN" dirty="0" smtClean="0"/>
+          </a:p>
+        </p:txBody>
+      </p:sp>
+      <p:pic>
+        <p:nvPicPr>
+          <p:cNvPr id="3" name="图片 2"/>
+          <p:cNvPicPr>
+            <a:picLocks noChangeAspect="1"/>
+          </p:cNvPicPr>
+          <p:nvPr/>
+        </p:nvPicPr>
+        <p:blipFill>
+          <a:blip r:embed="rId2">
+            <a:extLst>
+              <a:ext uri="{28A0092B-C50C-407E-A947-70E740481C1C}">
+                <a14:useLocalDpi xmlns:a14="http://schemas.microsoft.com/office/drawing/2010/main" val="0"/>
+              </a:ext>
+            </a:extLst>
+          </a:blip>
+          <a:stretch>
+            <a:fillRect/>
+          </a:stretch>
+        </p:blipFill>
+        <p:spPr>
+          <a:xfrm>
+            <a:off x="2094594" y="2466764"/>
+            <a:ext cx="5537200" cy="2781300"/>
+          </a:xfrm>
+          <a:prstGeom prst="rect">
+            <a:avLst/>
+          </a:prstGeom>
+          <a:ln>
+            <a:solidFill>
+              <a:schemeClr val="accent1"/>
+            </a:solidFill>
+          </a:ln>
+        </p:spPr>
+      </p:pic>
     </p:spTree>
     <p:extLst>
       <p:ext uri="{BB962C8B-B14F-4D97-AF65-F5344CB8AC3E}">
-        <p14:creationId xmlns:p14="http://schemas.microsoft.com/office/powerpoint/2010/main" val="865172326"/>
+        <p14:creationId xmlns:p14="http://schemas.microsoft.com/office/powerpoint/2010/main" val="938320944"/>
       </p:ext>
     </p:extLst>
   </p:cSld>
@@ -4648,6 +4883,922 @@
             <a:spLocks noGrp="1"/>
           </p:cNvSpPr>
           <p:nvPr>
+            <p:ph type="title"/>
+          </p:nvPr>
+        </p:nvSpPr>
+        <p:spPr/>
+        <p:txBody>
+          <a:bodyPr/>
+          <a:lstStyle/>
+          <a:p>
+            <a:pPr marL="91440" lvl="0" indent="-91440">
+              <a:lnSpc>
+                <a:spcPct val="90000"/>
+              </a:lnSpc>
+              <a:spcBef>
+                <a:spcPts val="1200"/>
+              </a:spcBef>
+              <a:spcAft>
+                <a:spcPts val="200"/>
+              </a:spcAft>
+              <a:buSzPct val="100000"/>
+              <a:buFont typeface="Calibri" panose="020F0502020204030204" pitchFamily="34" charset="0"/>
+              <a:buChar char=" "/>
+            </a:pPr>
+            <a:r>
+              <a:rPr kumimoji="1" lang="en-US" altLang="zh-CN" b="1" dirty="0" smtClean="0"/>
+              <a:t>Composite</a:t>
+            </a:r>
+            <a:r>
+              <a:rPr kumimoji="1" lang="zh-CN" altLang="en-US" b="1" dirty="0" smtClean="0"/>
+              <a:t>  </a:t>
+            </a:r>
+            <a:r>
+              <a:rPr kumimoji="1" lang="zh-CN" altLang="en-US" sz="2000" b="1" spc="0" dirty="0" smtClean="0">
+                <a:solidFill>
+                  <a:srgbClr val="000000">
+                    <a:lumMod val="75000"/>
+                    <a:lumOff val="25000"/>
+                  </a:srgbClr>
+                </a:solidFill>
+                <a:latin typeface="Calibri" panose="020F0502020204030204"/>
+              </a:rPr>
+              <a:t>实现</a:t>
+            </a:r>
+            <a:r>
+              <a:rPr kumimoji="1" lang="en-US" altLang="zh-CN" sz="2000" b="1" spc="0" dirty="0">
+                <a:solidFill>
+                  <a:srgbClr val="000000">
+                    <a:lumMod val="75000"/>
+                    <a:lumOff val="25000"/>
+                  </a:srgbClr>
+                </a:solidFill>
+                <a:latin typeface="Calibri" panose="020F0502020204030204"/>
+              </a:rPr>
+              <a:t>(C++)</a:t>
+            </a:r>
+            <a:r>
+              <a:rPr kumimoji="1" lang="zh-CN" altLang="en-US" sz="2000" b="1" spc="0" dirty="0" smtClean="0">
+                <a:solidFill>
+                  <a:srgbClr val="000000">
+                    <a:lumMod val="75000"/>
+                    <a:lumOff val="25000"/>
+                  </a:srgbClr>
+                </a:solidFill>
+                <a:latin typeface="Calibri" panose="020F0502020204030204"/>
+              </a:rPr>
+              <a:t>：</a:t>
+            </a:r>
+            <a:endParaRPr kumimoji="1" lang="zh-CN" altLang="en-US" b="1" dirty="0"/>
+          </a:p>
+        </p:txBody>
+      </p:sp>
+      <p:sp>
+        <p:nvSpPr>
+          <p:cNvPr id="4" name="内容占位符 2"/>
+          <p:cNvSpPr>
+            <a:spLocks noGrp="1"/>
+          </p:cNvSpPr>
+          <p:nvPr>
+            <p:ph idx="1"/>
+          </p:nvPr>
+        </p:nvSpPr>
+        <p:spPr/>
+        <p:txBody>
+          <a:bodyPr/>
+          <a:lstStyle/>
+          <a:p>
+            <a:pPr marL="457200" indent="-457200">
+              <a:buFont typeface="+mj-lt"/>
+              <a:buAutoNum type="arabicPeriod" startAt="3"/>
+            </a:pPr>
+            <a:r>
+              <a:rPr kumimoji="1" lang="zh-CN" altLang="en-US" dirty="0" smtClean="0"/>
+              <a:t>添加和删除分支、页节点</a:t>
+            </a:r>
+            <a:endParaRPr kumimoji="1" lang="en-US" altLang="zh-CN" dirty="0" smtClean="0"/>
+          </a:p>
+        </p:txBody>
+      </p:sp>
+      <p:pic>
+        <p:nvPicPr>
+          <p:cNvPr id="5" name="图片 4"/>
+          <p:cNvPicPr>
+            <a:picLocks noChangeAspect="1"/>
+          </p:cNvPicPr>
+          <p:nvPr/>
+        </p:nvPicPr>
+        <p:blipFill>
+          <a:blip r:embed="rId2">
+            <a:extLst>
+              <a:ext uri="{28A0092B-C50C-407E-A947-70E740481C1C}">
+                <a14:useLocalDpi xmlns:a14="http://schemas.microsoft.com/office/drawing/2010/main" val="0"/>
+              </a:ext>
+            </a:extLst>
+          </a:blip>
+          <a:stretch>
+            <a:fillRect/>
+          </a:stretch>
+        </p:blipFill>
+        <p:spPr>
+          <a:xfrm>
+            <a:off x="1425122" y="2534920"/>
+            <a:ext cx="6223000" cy="2552700"/>
+          </a:xfrm>
+          <a:prstGeom prst="rect">
+            <a:avLst/>
+          </a:prstGeom>
+          <a:ln>
+            <a:solidFill>
+              <a:schemeClr val="accent1"/>
+            </a:solidFill>
+          </a:ln>
+        </p:spPr>
+      </p:pic>
+      <p:pic>
+        <p:nvPicPr>
+          <p:cNvPr id="6" name="图片 5"/>
+          <p:cNvPicPr>
+            <a:picLocks noChangeAspect="1"/>
+          </p:cNvPicPr>
+          <p:nvPr/>
+        </p:nvPicPr>
+        <p:blipFill>
+          <a:blip r:embed="rId3">
+            <a:extLst>
+              <a:ext uri="{28A0092B-C50C-407E-A947-70E740481C1C}">
+                <a14:useLocalDpi xmlns:a14="http://schemas.microsoft.com/office/drawing/2010/main" val="0"/>
+              </a:ext>
+            </a:extLst>
+          </a:blip>
+          <a:stretch>
+            <a:fillRect/>
+          </a:stretch>
+        </p:blipFill>
+        <p:spPr>
+          <a:xfrm>
+            <a:off x="6027964" y="2534920"/>
+            <a:ext cx="5127716" cy="2552700"/>
+          </a:xfrm>
+          <a:prstGeom prst="rect">
+            <a:avLst/>
+          </a:prstGeom>
+          <a:ln>
+            <a:solidFill>
+              <a:schemeClr val="accent1"/>
+            </a:solidFill>
+          </a:ln>
+        </p:spPr>
+      </p:pic>
+    </p:spTree>
+    <p:extLst>
+      <p:ext uri="{BB962C8B-B14F-4D97-AF65-F5344CB8AC3E}">
+        <p14:creationId xmlns:p14="http://schemas.microsoft.com/office/powerpoint/2010/main" val="875074991"/>
+      </p:ext>
+    </p:extLst>
+  </p:cSld>
+  <p:clrMapOvr>
+    <a:masterClrMapping/>
+  </p:clrMapOvr>
+  <p:timing>
+    <p:tnLst>
+      <p:par>
+        <p:cTn id="1" dur="indefinite" restart="never" nodeType="tmRoot"/>
+      </p:par>
+    </p:tnLst>
+  </p:timing>
+</p:sld>
+</file>
+
+<file path=ppt/slides/slide14.xml><?xml version="1.0" encoding="utf-8"?>
+<p:sld xmlns:a="http://schemas.openxmlformats.org/drawingml/2006/main" xmlns:r="http://schemas.openxmlformats.org/officeDocument/2006/relationships" xmlns:p="http://schemas.openxmlformats.org/presentationml/2006/main">
+  <p:cSld>
+    <p:spTree>
+      <p:nvGrpSpPr>
+        <p:cNvPr id="1" name=""/>
+        <p:cNvGrpSpPr/>
+        <p:nvPr/>
+      </p:nvGrpSpPr>
+      <p:grpSpPr>
+        <a:xfrm>
+          <a:off x="0" y="0"/>
+          <a:ext cx="0" cy="0"/>
+          <a:chOff x="0" y="0"/>
+          <a:chExt cx="0" cy="0"/>
+        </a:xfrm>
+      </p:grpSpPr>
+      <p:sp>
+        <p:nvSpPr>
+          <p:cNvPr id="2" name="标题 1"/>
+          <p:cNvSpPr>
+            <a:spLocks noGrp="1"/>
+          </p:cNvSpPr>
+          <p:nvPr>
+            <p:ph type="title"/>
+          </p:nvPr>
+        </p:nvSpPr>
+        <p:spPr/>
+        <p:txBody>
+          <a:bodyPr/>
+          <a:lstStyle/>
+          <a:p>
+            <a:r>
+              <a:rPr kumimoji="1" lang="en-US" altLang="zh-CN" b="1" dirty="0" smtClean="0"/>
+              <a:t>Undo/Redo</a:t>
+            </a:r>
+            <a:r>
+              <a:rPr kumimoji="1" lang="zh-CN" altLang="en-US" b="1" dirty="0" smtClean="0"/>
+              <a:t>  </a:t>
+            </a:r>
+            <a:r>
+              <a:rPr kumimoji="1" lang="zh-CN" altLang="en-US" sz="2000" b="1" spc="0" dirty="0" smtClean="0">
+                <a:solidFill>
+                  <a:srgbClr val="000000">
+                    <a:lumMod val="75000"/>
+                    <a:lumOff val="25000"/>
+                  </a:srgbClr>
+                </a:solidFill>
+                <a:latin typeface="Calibri" panose="020F0502020204030204"/>
+              </a:rPr>
+              <a:t>实现</a:t>
+            </a:r>
+            <a:r>
+              <a:rPr kumimoji="1" lang="en-US" altLang="zh-CN" sz="2000" b="1" spc="0" dirty="0">
+                <a:solidFill>
+                  <a:srgbClr val="000000">
+                    <a:lumMod val="75000"/>
+                    <a:lumOff val="25000"/>
+                  </a:srgbClr>
+                </a:solidFill>
+                <a:latin typeface="Calibri" panose="020F0502020204030204"/>
+              </a:rPr>
+              <a:t>(C++)</a:t>
+            </a:r>
+            <a:r>
+              <a:rPr kumimoji="1" lang="zh-CN" altLang="en-US" sz="2000" b="1" spc="0" dirty="0">
+                <a:solidFill>
+                  <a:srgbClr val="000000">
+                    <a:lumMod val="75000"/>
+                    <a:lumOff val="25000"/>
+                  </a:srgbClr>
+                </a:solidFill>
+                <a:latin typeface="Calibri" panose="020F0502020204030204"/>
+              </a:rPr>
+              <a:t>：</a:t>
+            </a:r>
+            <a:endParaRPr kumimoji="1" lang="zh-CN" altLang="en-US" b="1" dirty="0"/>
+          </a:p>
+        </p:txBody>
+      </p:sp>
+      <p:sp>
+        <p:nvSpPr>
+          <p:cNvPr id="7" name="内容占位符 2"/>
+          <p:cNvSpPr>
+            <a:spLocks noGrp="1"/>
+          </p:cNvSpPr>
+          <p:nvPr>
+            <p:ph idx="1"/>
+          </p:nvPr>
+        </p:nvSpPr>
+        <p:spPr>
+          <a:xfrm>
+            <a:off x="1097280" y="1845734"/>
+            <a:ext cx="10058400" cy="4023360"/>
+          </a:xfrm>
+        </p:spPr>
+        <p:txBody>
+          <a:bodyPr/>
+          <a:lstStyle/>
+          <a:p>
+            <a:pPr marL="457200" indent="-457200">
+              <a:buFont typeface="+mj-lt"/>
+              <a:buAutoNum type="arabicPeriod"/>
+            </a:pPr>
+            <a:r>
+              <a:rPr kumimoji="1" lang="zh-CN" altLang="en-US" dirty="0" smtClean="0"/>
+              <a:t>分别建立指令和指令集对象</a:t>
+            </a:r>
+            <a:endParaRPr kumimoji="1" lang="en-US" altLang="zh-CN" dirty="0" smtClean="0"/>
+          </a:p>
+          <a:p>
+            <a:pPr marL="457200" indent="-457200">
+              <a:buFont typeface="+mj-lt"/>
+              <a:buAutoNum type="arabicPeriod"/>
+            </a:pPr>
+            <a:endParaRPr kumimoji="1" lang="en-US" altLang="zh-CN" dirty="0" smtClean="0"/>
+          </a:p>
+        </p:txBody>
+      </p:sp>
+      <p:pic>
+        <p:nvPicPr>
+          <p:cNvPr id="9" name="图片 8"/>
+          <p:cNvPicPr>
+            <a:picLocks noChangeAspect="1"/>
+          </p:cNvPicPr>
+          <p:nvPr/>
+        </p:nvPicPr>
+        <p:blipFill>
+          <a:blip r:embed="rId2">
+            <a:extLst>
+              <a:ext uri="{28A0092B-C50C-407E-A947-70E740481C1C}">
+                <a14:useLocalDpi xmlns:a14="http://schemas.microsoft.com/office/drawing/2010/main" val="0"/>
+              </a:ext>
+            </a:extLst>
+          </a:blip>
+          <a:stretch>
+            <a:fillRect/>
+          </a:stretch>
+        </p:blipFill>
+        <p:spPr>
+          <a:xfrm>
+            <a:off x="1963058" y="2246811"/>
+            <a:ext cx="7511868" cy="3971109"/>
+          </a:xfrm>
+          <a:prstGeom prst="rect">
+            <a:avLst/>
+          </a:prstGeom>
+          <a:ln>
+            <a:solidFill>
+              <a:schemeClr val="accent1"/>
+            </a:solidFill>
+          </a:ln>
+        </p:spPr>
+      </p:pic>
+    </p:spTree>
+    <p:extLst>
+      <p:ext uri="{BB962C8B-B14F-4D97-AF65-F5344CB8AC3E}">
+        <p14:creationId xmlns:p14="http://schemas.microsoft.com/office/powerpoint/2010/main" val="865172326"/>
+      </p:ext>
+    </p:extLst>
+  </p:cSld>
+  <p:clrMapOvr>
+    <a:masterClrMapping/>
+  </p:clrMapOvr>
+  <p:timing>
+    <p:tnLst>
+      <p:par>
+        <p:cTn id="1" dur="indefinite" restart="never" nodeType="tmRoot"/>
+      </p:par>
+    </p:tnLst>
+  </p:timing>
+</p:sld>
+</file>
+
+<file path=ppt/slides/slide15.xml><?xml version="1.0" encoding="utf-8"?>
+<p:sld xmlns:a="http://schemas.openxmlformats.org/drawingml/2006/main" xmlns:r="http://schemas.openxmlformats.org/officeDocument/2006/relationships" xmlns:p="http://schemas.openxmlformats.org/presentationml/2006/main">
+  <p:cSld>
+    <p:spTree>
+      <p:nvGrpSpPr>
+        <p:cNvPr id="1" name=""/>
+        <p:cNvGrpSpPr/>
+        <p:nvPr/>
+      </p:nvGrpSpPr>
+      <p:grpSpPr>
+        <a:xfrm>
+          <a:off x="0" y="0"/>
+          <a:ext cx="0" cy="0"/>
+          <a:chOff x="0" y="0"/>
+          <a:chExt cx="0" cy="0"/>
+        </a:xfrm>
+      </p:grpSpPr>
+      <p:sp>
+        <p:nvSpPr>
+          <p:cNvPr id="2" name="标题 1"/>
+          <p:cNvSpPr>
+            <a:spLocks noGrp="1"/>
+          </p:cNvSpPr>
+          <p:nvPr>
+            <p:ph type="title"/>
+          </p:nvPr>
+        </p:nvSpPr>
+        <p:spPr/>
+        <p:txBody>
+          <a:bodyPr/>
+          <a:lstStyle/>
+          <a:p>
+            <a:r>
+              <a:rPr kumimoji="1" lang="en-US" altLang="zh-CN" b="1" dirty="0" smtClean="0"/>
+              <a:t>Undo/Redo</a:t>
+            </a:r>
+            <a:r>
+              <a:rPr kumimoji="1" lang="zh-CN" altLang="en-US" b="1" dirty="0" smtClean="0"/>
+              <a:t>  </a:t>
+            </a:r>
+            <a:r>
+              <a:rPr kumimoji="1" lang="zh-CN" altLang="en-US" sz="2000" b="1" spc="0" dirty="0" smtClean="0">
+                <a:solidFill>
+                  <a:srgbClr val="000000">
+                    <a:lumMod val="75000"/>
+                    <a:lumOff val="25000"/>
+                  </a:srgbClr>
+                </a:solidFill>
+                <a:latin typeface="Calibri" panose="020F0502020204030204"/>
+              </a:rPr>
+              <a:t>实现</a:t>
+            </a:r>
+            <a:r>
+              <a:rPr kumimoji="1" lang="en-US" altLang="zh-CN" sz="2000" b="1" spc="0" dirty="0">
+                <a:solidFill>
+                  <a:srgbClr val="000000">
+                    <a:lumMod val="75000"/>
+                    <a:lumOff val="25000"/>
+                  </a:srgbClr>
+                </a:solidFill>
+                <a:latin typeface="Calibri" panose="020F0502020204030204"/>
+              </a:rPr>
+              <a:t>(C++)</a:t>
+            </a:r>
+            <a:r>
+              <a:rPr kumimoji="1" lang="zh-CN" altLang="en-US" sz="2000" b="1" spc="0" dirty="0">
+                <a:solidFill>
+                  <a:srgbClr val="000000">
+                    <a:lumMod val="75000"/>
+                    <a:lumOff val="25000"/>
+                  </a:srgbClr>
+                </a:solidFill>
+                <a:latin typeface="Calibri" panose="020F0502020204030204"/>
+              </a:rPr>
+              <a:t>：</a:t>
+            </a:r>
+            <a:endParaRPr kumimoji="1" lang="zh-CN" altLang="en-US" b="1" dirty="0"/>
+          </a:p>
+        </p:txBody>
+      </p:sp>
+      <p:sp>
+        <p:nvSpPr>
+          <p:cNvPr id="7" name="内容占位符 2"/>
+          <p:cNvSpPr>
+            <a:spLocks noGrp="1"/>
+          </p:cNvSpPr>
+          <p:nvPr>
+            <p:ph idx="1"/>
+          </p:nvPr>
+        </p:nvSpPr>
+        <p:spPr>
+          <a:xfrm>
+            <a:off x="1097280" y="1845734"/>
+            <a:ext cx="10058400" cy="4023360"/>
+          </a:xfrm>
+        </p:spPr>
+        <p:txBody>
+          <a:bodyPr/>
+          <a:lstStyle/>
+          <a:p>
+            <a:pPr marL="457200" indent="-457200">
+              <a:buFont typeface="+mj-lt"/>
+              <a:buAutoNum type="arabicPeriod" startAt="2"/>
+            </a:pPr>
+            <a:r>
+              <a:rPr kumimoji="1" lang="zh-CN" altLang="en-US" dirty="0" smtClean="0"/>
+              <a:t>建立</a:t>
+            </a:r>
+            <a:r>
+              <a:rPr kumimoji="1" lang="en-US" altLang="zh-CN" dirty="0" smtClean="0"/>
+              <a:t>Record</a:t>
+            </a:r>
+            <a:r>
+              <a:rPr kumimoji="1" lang="zh-CN" altLang="en-US" dirty="0" smtClean="0"/>
+              <a:t>类管理指令的历史记录</a:t>
+            </a:r>
+            <a:endParaRPr kumimoji="1" lang="en-US" altLang="zh-CN" dirty="0" smtClean="0"/>
+          </a:p>
+          <a:p>
+            <a:pPr marL="457200" indent="-457200">
+              <a:buFont typeface="+mj-lt"/>
+              <a:buAutoNum type="arabicPeriod" startAt="2"/>
+            </a:pPr>
+            <a:endParaRPr kumimoji="1" lang="en-US" altLang="zh-CN" dirty="0" smtClean="0"/>
+          </a:p>
+        </p:txBody>
+      </p:sp>
+      <p:pic>
+        <p:nvPicPr>
+          <p:cNvPr id="6" name="图片 5"/>
+          <p:cNvPicPr>
+            <a:picLocks noChangeAspect="1"/>
+          </p:cNvPicPr>
+          <p:nvPr/>
+        </p:nvPicPr>
+        <p:blipFill>
+          <a:blip r:embed="rId2">
+            <a:extLst>
+              <a:ext uri="{28A0092B-C50C-407E-A947-70E740481C1C}">
+                <a14:useLocalDpi xmlns:a14="http://schemas.microsoft.com/office/drawing/2010/main" val="0"/>
+              </a:ext>
+            </a:extLst>
+          </a:blip>
+          <a:stretch>
+            <a:fillRect/>
+          </a:stretch>
+        </p:blipFill>
+        <p:spPr>
+          <a:xfrm>
+            <a:off x="1788884" y="2229395"/>
+            <a:ext cx="7445683" cy="3918857"/>
+          </a:xfrm>
+          <a:prstGeom prst="rect">
+            <a:avLst/>
+          </a:prstGeom>
+          <a:ln>
+            <a:solidFill>
+              <a:schemeClr val="accent1"/>
+            </a:solidFill>
+          </a:ln>
+        </p:spPr>
+      </p:pic>
+    </p:spTree>
+    <p:extLst>
+      <p:ext uri="{BB962C8B-B14F-4D97-AF65-F5344CB8AC3E}">
+        <p14:creationId xmlns:p14="http://schemas.microsoft.com/office/powerpoint/2010/main" val="492710409"/>
+      </p:ext>
+    </p:extLst>
+  </p:cSld>
+  <p:clrMapOvr>
+    <a:masterClrMapping/>
+  </p:clrMapOvr>
+  <p:timing>
+    <p:tnLst>
+      <p:par>
+        <p:cTn id="1" dur="indefinite" restart="never" nodeType="tmRoot"/>
+      </p:par>
+    </p:tnLst>
+  </p:timing>
+</p:sld>
+</file>
+
+<file path=ppt/slides/slide16.xml><?xml version="1.0" encoding="utf-8"?>
+<p:sld xmlns:a="http://schemas.openxmlformats.org/drawingml/2006/main" xmlns:r="http://schemas.openxmlformats.org/officeDocument/2006/relationships" xmlns:p="http://schemas.openxmlformats.org/presentationml/2006/main">
+  <p:cSld>
+    <p:spTree>
+      <p:nvGrpSpPr>
+        <p:cNvPr id="1" name=""/>
+        <p:cNvGrpSpPr/>
+        <p:nvPr/>
+      </p:nvGrpSpPr>
+      <p:grpSpPr>
+        <a:xfrm>
+          <a:off x="0" y="0"/>
+          <a:ext cx="0" cy="0"/>
+          <a:chOff x="0" y="0"/>
+          <a:chExt cx="0" cy="0"/>
+        </a:xfrm>
+      </p:grpSpPr>
+      <p:sp>
+        <p:nvSpPr>
+          <p:cNvPr id="2" name="标题 1"/>
+          <p:cNvSpPr>
+            <a:spLocks noGrp="1"/>
+          </p:cNvSpPr>
+          <p:nvPr>
+            <p:ph type="title"/>
+          </p:nvPr>
+        </p:nvSpPr>
+        <p:spPr/>
+        <p:txBody>
+          <a:bodyPr/>
+          <a:lstStyle/>
+          <a:p>
+            <a:r>
+              <a:rPr kumimoji="1" lang="en-US" altLang="zh-CN" b="1" dirty="0" smtClean="0"/>
+              <a:t>Undo/Redo</a:t>
+            </a:r>
+            <a:r>
+              <a:rPr kumimoji="1" lang="zh-CN" altLang="en-US" b="1" dirty="0" smtClean="0"/>
+              <a:t>  </a:t>
+            </a:r>
+            <a:r>
+              <a:rPr kumimoji="1" lang="zh-CN" altLang="en-US" sz="2000" b="1" spc="0" dirty="0" smtClean="0">
+                <a:solidFill>
+                  <a:srgbClr val="000000">
+                    <a:lumMod val="75000"/>
+                    <a:lumOff val="25000"/>
+                  </a:srgbClr>
+                </a:solidFill>
+                <a:latin typeface="Calibri" panose="020F0502020204030204"/>
+              </a:rPr>
+              <a:t>实现</a:t>
+            </a:r>
+            <a:r>
+              <a:rPr kumimoji="1" lang="en-US" altLang="zh-CN" sz="2000" b="1" spc="0" dirty="0">
+                <a:solidFill>
+                  <a:srgbClr val="000000">
+                    <a:lumMod val="75000"/>
+                    <a:lumOff val="25000"/>
+                  </a:srgbClr>
+                </a:solidFill>
+                <a:latin typeface="Calibri" panose="020F0502020204030204"/>
+              </a:rPr>
+              <a:t>(C++)</a:t>
+            </a:r>
+            <a:r>
+              <a:rPr kumimoji="1" lang="zh-CN" altLang="en-US" sz="2000" b="1" spc="0" dirty="0">
+                <a:solidFill>
+                  <a:srgbClr val="000000">
+                    <a:lumMod val="75000"/>
+                    <a:lumOff val="25000"/>
+                  </a:srgbClr>
+                </a:solidFill>
+                <a:latin typeface="Calibri" panose="020F0502020204030204"/>
+              </a:rPr>
+              <a:t>：</a:t>
+            </a:r>
+            <a:endParaRPr kumimoji="1" lang="zh-CN" altLang="en-US" b="1" dirty="0"/>
+          </a:p>
+        </p:txBody>
+      </p:sp>
+      <p:sp>
+        <p:nvSpPr>
+          <p:cNvPr id="7" name="内容占位符 2"/>
+          <p:cNvSpPr>
+            <a:spLocks noGrp="1"/>
+          </p:cNvSpPr>
+          <p:nvPr>
+            <p:ph idx="1"/>
+          </p:nvPr>
+        </p:nvSpPr>
+        <p:spPr>
+          <a:xfrm>
+            <a:off x="1097280" y="1845734"/>
+            <a:ext cx="10058400" cy="4023360"/>
+          </a:xfrm>
+        </p:spPr>
+        <p:txBody>
+          <a:bodyPr/>
+          <a:lstStyle/>
+          <a:p>
+            <a:pPr marL="457200" indent="-457200">
+              <a:buFont typeface="+mj-lt"/>
+              <a:buAutoNum type="arabicPeriod" startAt="3"/>
+            </a:pPr>
+            <a:r>
+              <a:rPr kumimoji="1" lang="zh-CN" altLang="en-US" dirty="0" smtClean="0"/>
+              <a:t>建立</a:t>
+            </a:r>
+            <a:r>
+              <a:rPr kumimoji="1" lang="en-US" altLang="zh-CN" dirty="0" smtClean="0"/>
+              <a:t>Test</a:t>
+            </a:r>
+            <a:r>
+              <a:rPr kumimoji="1" lang="zh-CN" altLang="en-US" dirty="0" smtClean="0"/>
+              <a:t>用于测试</a:t>
+            </a:r>
+            <a:endParaRPr kumimoji="1" lang="en-US" altLang="zh-CN" dirty="0" smtClean="0"/>
+          </a:p>
+        </p:txBody>
+      </p:sp>
+      <p:pic>
+        <p:nvPicPr>
+          <p:cNvPr id="3" name="图片 2"/>
+          <p:cNvPicPr>
+            <a:picLocks noChangeAspect="1"/>
+          </p:cNvPicPr>
+          <p:nvPr/>
+        </p:nvPicPr>
+        <p:blipFill>
+          <a:blip r:embed="rId2">
+            <a:extLst>
+              <a:ext uri="{28A0092B-C50C-407E-A947-70E740481C1C}">
+                <a14:useLocalDpi xmlns:a14="http://schemas.microsoft.com/office/drawing/2010/main" val="0"/>
+              </a:ext>
+            </a:extLst>
+          </a:blip>
+          <a:stretch>
+            <a:fillRect/>
+          </a:stretch>
+        </p:blipFill>
+        <p:spPr>
+          <a:xfrm>
+            <a:off x="1782717" y="2490288"/>
+            <a:ext cx="5600700" cy="2260600"/>
+          </a:xfrm>
+          <a:prstGeom prst="rect">
+            <a:avLst/>
+          </a:prstGeom>
+          <a:ln>
+            <a:solidFill>
+              <a:schemeClr val="accent1"/>
+            </a:solidFill>
+          </a:ln>
+        </p:spPr>
+      </p:pic>
+    </p:spTree>
+    <p:extLst>
+      <p:ext uri="{BB962C8B-B14F-4D97-AF65-F5344CB8AC3E}">
+        <p14:creationId xmlns:p14="http://schemas.microsoft.com/office/powerpoint/2010/main" val="286901231"/>
+      </p:ext>
+    </p:extLst>
+  </p:cSld>
+  <p:clrMapOvr>
+    <a:masterClrMapping/>
+  </p:clrMapOvr>
+  <p:timing>
+    <p:tnLst>
+      <p:par>
+        <p:cTn id="1" dur="indefinite" restart="never" nodeType="tmRoot"/>
+      </p:par>
+    </p:tnLst>
+  </p:timing>
+</p:sld>
+</file>
+
+<file path=ppt/slides/slide17.xml><?xml version="1.0" encoding="utf-8"?>
+<p:sld xmlns:a="http://schemas.openxmlformats.org/drawingml/2006/main" xmlns:r="http://schemas.openxmlformats.org/officeDocument/2006/relationships" xmlns:p="http://schemas.openxmlformats.org/presentationml/2006/main">
+  <p:cSld>
+    <p:spTree>
+      <p:nvGrpSpPr>
+        <p:cNvPr id="1" name=""/>
+        <p:cNvGrpSpPr/>
+        <p:nvPr/>
+      </p:nvGrpSpPr>
+      <p:grpSpPr>
+        <a:xfrm>
+          <a:off x="0" y="0"/>
+          <a:ext cx="0" cy="0"/>
+          <a:chOff x="0" y="0"/>
+          <a:chExt cx="0" cy="0"/>
+        </a:xfrm>
+      </p:grpSpPr>
+      <p:sp>
+        <p:nvSpPr>
+          <p:cNvPr id="2" name="标题 1"/>
+          <p:cNvSpPr>
+            <a:spLocks noGrp="1"/>
+          </p:cNvSpPr>
+          <p:nvPr>
+            <p:ph type="title"/>
+          </p:nvPr>
+        </p:nvSpPr>
+        <p:spPr/>
+        <p:txBody>
+          <a:bodyPr/>
+          <a:lstStyle/>
+          <a:p>
+            <a:r>
+              <a:rPr kumimoji="1" lang="en-US" altLang="zh-CN" b="1" dirty="0" smtClean="0"/>
+              <a:t>Undo/Redo</a:t>
+            </a:r>
+            <a:r>
+              <a:rPr kumimoji="1" lang="zh-CN" altLang="en-US" b="1" dirty="0" smtClean="0"/>
+              <a:t>  </a:t>
+            </a:r>
+            <a:r>
+              <a:rPr kumimoji="1" lang="zh-CN" altLang="en-US" sz="2000" b="1" spc="0" dirty="0" smtClean="0">
+                <a:solidFill>
+                  <a:srgbClr val="000000">
+                    <a:lumMod val="75000"/>
+                    <a:lumOff val="25000"/>
+                  </a:srgbClr>
+                </a:solidFill>
+                <a:latin typeface="Calibri" panose="020F0502020204030204"/>
+              </a:rPr>
+              <a:t>实现</a:t>
+            </a:r>
+            <a:r>
+              <a:rPr kumimoji="1" lang="en-US" altLang="zh-CN" sz="2000" b="1" spc="0" dirty="0">
+                <a:solidFill>
+                  <a:srgbClr val="000000">
+                    <a:lumMod val="75000"/>
+                    <a:lumOff val="25000"/>
+                  </a:srgbClr>
+                </a:solidFill>
+                <a:latin typeface="Calibri" panose="020F0502020204030204"/>
+              </a:rPr>
+              <a:t>(C++)</a:t>
+            </a:r>
+            <a:r>
+              <a:rPr kumimoji="1" lang="zh-CN" altLang="en-US" sz="2000" b="1" spc="0" dirty="0">
+                <a:solidFill>
+                  <a:srgbClr val="000000">
+                    <a:lumMod val="75000"/>
+                    <a:lumOff val="25000"/>
+                  </a:srgbClr>
+                </a:solidFill>
+                <a:latin typeface="Calibri" panose="020F0502020204030204"/>
+              </a:rPr>
+              <a:t>：</a:t>
+            </a:r>
+            <a:endParaRPr kumimoji="1" lang="zh-CN" altLang="en-US" b="1" dirty="0"/>
+          </a:p>
+        </p:txBody>
+      </p:sp>
+      <p:sp>
+        <p:nvSpPr>
+          <p:cNvPr id="7" name="内容占位符 2"/>
+          <p:cNvSpPr>
+            <a:spLocks noGrp="1"/>
+          </p:cNvSpPr>
+          <p:nvPr>
+            <p:ph idx="1"/>
+          </p:nvPr>
+        </p:nvSpPr>
+        <p:spPr>
+          <a:xfrm>
+            <a:off x="1097280" y="1845734"/>
+            <a:ext cx="10058400" cy="4023360"/>
+          </a:xfrm>
+        </p:spPr>
+        <p:txBody>
+          <a:bodyPr/>
+          <a:lstStyle/>
+          <a:p>
+            <a:pPr marL="457200" indent="-457200">
+              <a:buFont typeface="+mj-lt"/>
+              <a:buAutoNum type="arabicPeriod" startAt="4"/>
+            </a:pPr>
+            <a:r>
+              <a:rPr kumimoji="1" lang="zh-CN" altLang="en-US" dirty="0" smtClean="0"/>
+              <a:t>建立指令模拟类</a:t>
+            </a:r>
+            <a:endParaRPr kumimoji="1" lang="en-US" altLang="zh-CN" dirty="0" smtClean="0"/>
+          </a:p>
+          <a:p>
+            <a:pPr marL="457200" indent="-457200">
+              <a:buFont typeface="+mj-lt"/>
+              <a:buAutoNum type="arabicPeriod" startAt="4"/>
+            </a:pPr>
+            <a:endParaRPr kumimoji="1" lang="en-US" altLang="zh-CN" dirty="0" smtClean="0"/>
+          </a:p>
+        </p:txBody>
+      </p:sp>
+      <p:pic>
+        <p:nvPicPr>
+          <p:cNvPr id="3" name="图片 2"/>
+          <p:cNvPicPr>
+            <a:picLocks noChangeAspect="1"/>
+          </p:cNvPicPr>
+          <p:nvPr/>
+        </p:nvPicPr>
+        <p:blipFill>
+          <a:blip r:embed="rId2">
+            <a:extLst>
+              <a:ext uri="{28A0092B-C50C-407E-A947-70E740481C1C}">
+                <a14:useLocalDpi xmlns:a14="http://schemas.microsoft.com/office/drawing/2010/main" val="0"/>
+              </a:ext>
+            </a:extLst>
+          </a:blip>
+          <a:stretch>
+            <a:fillRect/>
+          </a:stretch>
+        </p:blipFill>
+        <p:spPr>
+          <a:xfrm>
+            <a:off x="1684383" y="2230162"/>
+            <a:ext cx="7747000" cy="4074523"/>
+          </a:xfrm>
+          <a:prstGeom prst="rect">
+            <a:avLst/>
+          </a:prstGeom>
+          <a:ln>
+            <a:solidFill>
+              <a:schemeClr val="accent1"/>
+            </a:solidFill>
+          </a:ln>
+        </p:spPr>
+      </p:pic>
+    </p:spTree>
+    <p:extLst>
+      <p:ext uri="{BB962C8B-B14F-4D97-AF65-F5344CB8AC3E}">
+        <p14:creationId xmlns:p14="http://schemas.microsoft.com/office/powerpoint/2010/main" val="848201902"/>
+      </p:ext>
+    </p:extLst>
+  </p:cSld>
+  <p:clrMapOvr>
+    <a:masterClrMapping/>
+  </p:clrMapOvr>
+  <p:timing>
+    <p:tnLst>
+      <p:par>
+        <p:cTn id="1" dur="indefinite" restart="never" nodeType="tmRoot"/>
+      </p:par>
+    </p:tnLst>
+  </p:timing>
+</p:sld>
+</file>
+
+<file path=ppt/slides/slide18.xml><?xml version="1.0" encoding="utf-8"?>
+<p:sld xmlns:a="http://schemas.openxmlformats.org/drawingml/2006/main" xmlns:r="http://schemas.openxmlformats.org/officeDocument/2006/relationships" xmlns:p="http://schemas.openxmlformats.org/presentationml/2006/main">
+  <p:cSld>
+    <p:spTree>
+      <p:nvGrpSpPr>
+        <p:cNvPr id="1" name=""/>
+        <p:cNvGrpSpPr/>
+        <p:nvPr/>
+      </p:nvGrpSpPr>
+      <p:grpSpPr>
+        <a:xfrm>
+          <a:off x="0" y="0"/>
+          <a:ext cx="0" cy="0"/>
+          <a:chOff x="0" y="0"/>
+          <a:chExt cx="0" cy="0"/>
+        </a:xfrm>
+      </p:grpSpPr>
+      <p:sp>
+        <p:nvSpPr>
+          <p:cNvPr id="2" name="标题 1"/>
+          <p:cNvSpPr>
+            <a:spLocks noGrp="1"/>
+          </p:cNvSpPr>
+          <p:nvPr>
             <p:ph type="ctrTitle"/>
           </p:nvPr>
         </p:nvSpPr>
@@ -4775,11 +5926,7 @@
             </a:r>
             <a:r>
               <a:rPr lang="zh-CN" altLang="en-US" sz="1800" dirty="0"/>
-              <a:t>个对象状态发生改变</a:t>
-            </a:r>
-            <a:r>
-              <a:rPr lang="zh-CN" altLang="en-US" sz="1800" dirty="0"/>
-              <a:t>时将自动通知其他对象，其他对象将相应做出</a:t>
+              <a:t>个对象状态发生改变时将自动通知其他对象，其他对象将相应做出</a:t>
             </a:r>
             <a:r>
               <a:rPr lang="zh-CN" altLang="en-US" sz="1800" dirty="0" smtClean="0"/>
